--- a/Sunday_Tuesday_Thursday/Class_14_12_March_2019/CapitalLetter_FiniteVerb.pptx
+++ b/Sunday_Tuesday_Thursday/Class_14_12_March_2019/CapitalLetter_FiniteVerb.pptx
@@ -120,7 +120,7 @@
                 </a:uFill>
                 <a:latin typeface="Times New Roman"/>
               </a:rPr>
-              <a:t>&lt;header&gt;</a:t>
+              <a:t> </a:t>
             </a:r>
             <a:endParaRPr b="0" lang="en-US" sz="1400" spc="-1" strike="noStrike">
               <a:solidFill>
@@ -171,7 +171,7 @@
                 </a:uFill>
                 <a:latin typeface="Times New Roman"/>
               </a:rPr>
-              <a:t>&lt;date/time&gt;</a:t>
+              <a:t> </a:t>
             </a:r>
             <a:endParaRPr b="0" lang="en-US" sz="1400" spc="-1" strike="noStrike">
               <a:solidFill>
@@ -221,7 +221,7 @@
                 </a:uFill>
                 <a:latin typeface="Times New Roman"/>
               </a:rPr>
-              <a:t>&lt;footer&gt;</a:t>
+              <a:t> </a:t>
             </a:r>
             <a:endParaRPr b="0" lang="en-US" sz="1400" spc="-1" strike="noStrike">
               <a:solidFill>
@@ -260,7 +260,7 @@
           <a:bodyPr lIns="0" rIns="0" tIns="0" bIns="0" anchor="b"/>
           <a:p>
             <a:pPr algn="r"/>
-            <a:fld id="{7BA6A56E-6A04-4B56-984D-DD1AB9AD7BAE}" type="slidenum">
+            <a:fld id="{5DC14869-DE3D-40C1-98E6-A5148363BCB4}" type="slidenum">
               <a:rPr b="0" lang="en-US" sz="1400" spc="-1" strike="noStrike">
                 <a:solidFill>
                   <a:srgbClr val="000000"/>
@@ -272,7 +272,7 @@
                 </a:uFill>
                 <a:latin typeface="Times New Roman"/>
               </a:rPr>
-              <a:t>&lt;number&gt;</a:t>
+              <a:t>1</a:t>
             </a:fld>
             <a:endParaRPr b="0" lang="en-US" sz="1400" spc="-1" strike="noStrike">
               <a:solidFill>
@@ -320,7 +320,7 @@
         <p:spPr>
           <a:xfrm>
             <a:off x="755640" y="5078520"/>
-            <a:ext cx="6045480" cy="4808880"/>
+            <a:ext cx="6045120" cy="4808520"/>
           </a:xfrm>
           <a:custGeom>
             <a:avLst/>
@@ -373,7 +373,7 @@
         <p:spPr>
           <a:xfrm>
             <a:off x="756000" y="5078520"/>
-            <a:ext cx="6045840" cy="4809600"/>
+            <a:ext cx="6045480" cy="4809240"/>
           </a:xfrm>
           <a:prstGeom prst="rect">
             <a:avLst/>
@@ -427,7 +427,7 @@
         <p:spPr>
           <a:xfrm>
             <a:off x="755640" y="5078520"/>
-            <a:ext cx="6045480" cy="4808880"/>
+            <a:ext cx="6045120" cy="4808520"/>
           </a:xfrm>
           <a:custGeom>
             <a:avLst/>
@@ -480,7 +480,7 @@
         <p:spPr>
           <a:xfrm>
             <a:off x="756000" y="5078520"/>
-            <a:ext cx="6045840" cy="4809600"/>
+            <a:ext cx="6045480" cy="4809240"/>
           </a:xfrm>
           <a:prstGeom prst="rect">
             <a:avLst/>
@@ -534,7 +534,7 @@
         <p:spPr>
           <a:xfrm>
             <a:off x="755640" y="5078520"/>
-            <a:ext cx="6045480" cy="4808880"/>
+            <a:ext cx="6045120" cy="4808520"/>
           </a:xfrm>
           <a:custGeom>
             <a:avLst/>
@@ -587,7 +587,7 @@
         <p:spPr>
           <a:xfrm>
             <a:off x="756000" y="5078520"/>
-            <a:ext cx="6045840" cy="4809600"/>
+            <a:ext cx="6045480" cy="4809240"/>
           </a:xfrm>
           <a:prstGeom prst="rect">
             <a:avLst/>
@@ -641,7 +641,7 @@
         <p:spPr>
           <a:xfrm>
             <a:off x="755640" y="5078520"/>
-            <a:ext cx="6045480" cy="4808880"/>
+            <a:ext cx="6045120" cy="4808520"/>
           </a:xfrm>
           <a:custGeom>
             <a:avLst/>
@@ -694,7 +694,7 @@
         <p:spPr>
           <a:xfrm>
             <a:off x="756000" y="5078520"/>
-            <a:ext cx="6045840" cy="4809600"/>
+            <a:ext cx="6045480" cy="4809240"/>
           </a:xfrm>
           <a:prstGeom prst="rect">
             <a:avLst/>
@@ -748,7 +748,7 @@
         <p:spPr>
           <a:xfrm>
             <a:off x="755640" y="5078520"/>
-            <a:ext cx="6045480" cy="4808880"/>
+            <a:ext cx="6045120" cy="4808520"/>
           </a:xfrm>
           <a:custGeom>
             <a:avLst/>
@@ -801,7 +801,7 @@
         <p:spPr>
           <a:xfrm>
             <a:off x="756000" y="5078520"/>
-            <a:ext cx="6045840" cy="4809600"/>
+            <a:ext cx="6045480" cy="4809240"/>
           </a:xfrm>
           <a:prstGeom prst="rect">
             <a:avLst/>
@@ -881,7 +881,7 @@
         <p:spPr>
           <a:xfrm>
             <a:off x="504000" y="301320"/>
-            <a:ext cx="9072000" cy="1261800"/>
+            <a:ext cx="9071640" cy="1261440"/>
           </a:xfrm>
           <a:prstGeom prst="rect">
             <a:avLst/>
@@ -890,7 +890,8 @@
         <p:txBody>
           <a:bodyPr lIns="0" rIns="0" tIns="0" bIns="0" anchor="ctr"/>
           <a:p>
-            <a:endParaRPr b="0" lang="en-US" sz="1400" spc="-1" strike="noStrike">
+            <a:pPr algn="ctr"/>
+            <a:endParaRPr b="0" lang="en-US" sz="4400" spc="-1" strike="noStrike">
               <a:solidFill>
                 <a:srgbClr val="000000"/>
               </a:solidFill>
@@ -926,7 +927,7 @@
         <p:txBody>
           <a:bodyPr lIns="0" rIns="0" tIns="0" bIns="0"/>
           <a:p>
-            <a:endParaRPr b="0" lang="en-US" sz="1400" spc="-1" strike="noStrike">
+            <a:endParaRPr b="0" lang="en-US" sz="3200" spc="-1" strike="noStrike">
               <a:solidFill>
                 <a:srgbClr val="000000"/>
               </a:solidFill>
@@ -962,7 +963,7 @@
         <p:txBody>
           <a:bodyPr lIns="0" rIns="0" tIns="0" bIns="0"/>
           <a:p>
-            <a:endParaRPr b="0" lang="en-US" sz="1400" spc="-1" strike="noStrike">
+            <a:endParaRPr b="0" lang="en-US" sz="3200" spc="-1" strike="noStrike">
               <a:solidFill>
                 <a:srgbClr val="000000"/>
               </a:solidFill>
@@ -1011,7 +1012,7 @@
         <p:spPr>
           <a:xfrm>
             <a:off x="504000" y="301320"/>
-            <a:ext cx="9072000" cy="1261800"/>
+            <a:ext cx="9071640" cy="1261440"/>
           </a:xfrm>
           <a:prstGeom prst="rect">
             <a:avLst/>
@@ -1020,7 +1021,8 @@
         <p:txBody>
           <a:bodyPr lIns="0" rIns="0" tIns="0" bIns="0" anchor="ctr"/>
           <a:p>
-            <a:endParaRPr b="0" lang="en-US" sz="1400" spc="-1" strike="noStrike">
+            <a:pPr algn="ctr"/>
+            <a:endParaRPr b="0" lang="en-US" sz="4400" spc="-1" strike="noStrike">
               <a:solidFill>
                 <a:srgbClr val="000000"/>
               </a:solidFill>
@@ -1056,7 +1058,7 @@
         <p:txBody>
           <a:bodyPr lIns="0" rIns="0" tIns="0" bIns="0"/>
           <a:p>
-            <a:endParaRPr b="0" lang="en-US" sz="1400" spc="-1" strike="noStrike">
+            <a:endParaRPr b="0" lang="en-US" sz="3200" spc="-1" strike="noStrike">
               <a:solidFill>
                 <a:srgbClr val="000000"/>
               </a:solidFill>
@@ -1092,7 +1094,7 @@
         <p:txBody>
           <a:bodyPr lIns="0" rIns="0" tIns="0" bIns="0"/>
           <a:p>
-            <a:endParaRPr b="0" lang="en-US" sz="1400" spc="-1" strike="noStrike">
+            <a:endParaRPr b="0" lang="en-US" sz="3200" spc="-1" strike="noStrike">
               <a:solidFill>
                 <a:srgbClr val="000000"/>
               </a:solidFill>
@@ -1128,7 +1130,7 @@
         <p:txBody>
           <a:bodyPr lIns="0" rIns="0" tIns="0" bIns="0"/>
           <a:p>
-            <a:endParaRPr b="0" lang="en-US" sz="1400" spc="-1" strike="noStrike">
+            <a:endParaRPr b="0" lang="en-US" sz="3200" spc="-1" strike="noStrike">
               <a:solidFill>
                 <a:srgbClr val="000000"/>
               </a:solidFill>
@@ -1164,7 +1166,7 @@
         <p:txBody>
           <a:bodyPr lIns="0" rIns="0" tIns="0" bIns="0"/>
           <a:p>
-            <a:endParaRPr b="0" lang="en-US" sz="1400" spc="-1" strike="noStrike">
+            <a:endParaRPr b="0" lang="en-US" sz="3200" spc="-1" strike="noStrike">
               <a:solidFill>
                 <a:srgbClr val="000000"/>
               </a:solidFill>
@@ -1213,7 +1215,7 @@
         <p:spPr>
           <a:xfrm>
             <a:off x="504000" y="301320"/>
-            <a:ext cx="9072000" cy="1261800"/>
+            <a:ext cx="9071640" cy="1261440"/>
           </a:xfrm>
           <a:prstGeom prst="rect">
             <a:avLst/>
@@ -1222,7 +1224,8 @@
         <p:txBody>
           <a:bodyPr lIns="0" rIns="0" tIns="0" bIns="0" anchor="ctr"/>
           <a:p>
-            <a:endParaRPr b="0" lang="en-US" sz="1400" spc="-1" strike="noStrike">
+            <a:pPr algn="ctr"/>
+            <a:endParaRPr b="0" lang="en-US" sz="4400" spc="-1" strike="noStrike">
               <a:solidFill>
                 <a:srgbClr val="000000"/>
               </a:solidFill>
@@ -1258,7 +1261,7 @@
         <p:txBody>
           <a:bodyPr lIns="0" rIns="0" tIns="0" bIns="0"/>
           <a:p>
-            <a:endParaRPr b="0" lang="en-US" sz="1400" spc="-1" strike="noStrike">
+            <a:endParaRPr b="0" lang="en-US" sz="3200" spc="-1" strike="noStrike">
               <a:solidFill>
                 <a:srgbClr val="000000"/>
               </a:solidFill>
@@ -1294,7 +1297,7 @@
         <p:txBody>
           <a:bodyPr lIns="0" rIns="0" tIns="0" bIns="0"/>
           <a:p>
-            <a:endParaRPr b="0" lang="en-US" sz="1400" spc="-1" strike="noStrike">
+            <a:endParaRPr b="0" lang="en-US" sz="3200" spc="-1" strike="noStrike">
               <a:solidFill>
                 <a:srgbClr val="000000"/>
               </a:solidFill>
@@ -1389,7 +1392,7 @@
         <p:spPr>
           <a:xfrm>
             <a:off x="504000" y="301320"/>
-            <a:ext cx="9072000" cy="1261800"/>
+            <a:ext cx="9071640" cy="1261440"/>
           </a:xfrm>
           <a:prstGeom prst="rect">
             <a:avLst/>
@@ -1398,7 +1401,8 @@
         <p:txBody>
           <a:bodyPr lIns="0" rIns="0" tIns="0" bIns="0" anchor="ctr"/>
           <a:p>
-            <a:endParaRPr b="0" lang="en-US" sz="1400" spc="-1" strike="noStrike">
+            <a:pPr algn="ctr"/>
+            <a:endParaRPr b="0" lang="en-US" sz="4400" spc="-1" strike="noStrike">
               <a:solidFill>
                 <a:srgbClr val="000000"/>
               </a:solidFill>
@@ -1484,7 +1488,7 @@
         <p:spPr>
           <a:xfrm>
             <a:off x="504000" y="301320"/>
-            <a:ext cx="9072000" cy="1261800"/>
+            <a:ext cx="9071640" cy="1261440"/>
           </a:xfrm>
           <a:prstGeom prst="rect">
             <a:avLst/>
@@ -1493,7 +1497,8 @@
         <p:txBody>
           <a:bodyPr lIns="0" rIns="0" tIns="0" bIns="0" anchor="ctr"/>
           <a:p>
-            <a:endParaRPr b="0" lang="en-US" sz="1400" spc="-1" strike="noStrike">
+            <a:pPr algn="ctr"/>
+            <a:endParaRPr b="0" lang="en-US" sz="4400" spc="-1" strike="noStrike">
               <a:solidFill>
                 <a:srgbClr val="000000"/>
               </a:solidFill>
@@ -1529,7 +1534,7 @@
         <p:txBody>
           <a:bodyPr lIns="0" rIns="0" tIns="0" bIns="0"/>
           <a:p>
-            <a:endParaRPr b="0" lang="en-US" sz="1400" spc="-1" strike="noStrike">
+            <a:endParaRPr b="0" lang="en-US" sz="3200" spc="-1" strike="noStrike">
               <a:solidFill>
                 <a:srgbClr val="000000"/>
               </a:solidFill>
@@ -1578,7 +1583,7 @@
         <p:spPr>
           <a:xfrm>
             <a:off x="504000" y="301320"/>
-            <a:ext cx="9072000" cy="1261800"/>
+            <a:ext cx="9071640" cy="1261440"/>
           </a:xfrm>
           <a:prstGeom prst="rect">
             <a:avLst/>
@@ -1587,7 +1592,8 @@
         <p:txBody>
           <a:bodyPr lIns="0" rIns="0" tIns="0" bIns="0" anchor="ctr"/>
           <a:p>
-            <a:endParaRPr b="0" lang="en-US" sz="1400" spc="-1" strike="noStrike">
+            <a:pPr algn="ctr"/>
+            <a:endParaRPr b="0" lang="en-US" sz="4400" spc="-1" strike="noStrike">
               <a:solidFill>
                 <a:srgbClr val="000000"/>
               </a:solidFill>
@@ -1623,7 +1629,7 @@
         <p:txBody>
           <a:bodyPr lIns="0" rIns="0" tIns="0" bIns="0"/>
           <a:p>
-            <a:endParaRPr b="0" lang="en-US" sz="1400" spc="-1" strike="noStrike">
+            <a:endParaRPr b="0" lang="en-US" sz="3200" spc="-1" strike="noStrike">
               <a:solidFill>
                 <a:srgbClr val="000000"/>
               </a:solidFill>
@@ -1659,7 +1665,7 @@
         <p:txBody>
           <a:bodyPr lIns="0" rIns="0" tIns="0" bIns="0"/>
           <a:p>
-            <a:endParaRPr b="0" lang="en-US" sz="1400" spc="-1" strike="noStrike">
+            <a:endParaRPr b="0" lang="en-US" sz="3200" spc="-1" strike="noStrike">
               <a:solidFill>
                 <a:srgbClr val="000000"/>
               </a:solidFill>
@@ -1708,7 +1714,7 @@
         <p:spPr>
           <a:xfrm>
             <a:off x="504000" y="301320"/>
-            <a:ext cx="9072000" cy="1261800"/>
+            <a:ext cx="9071640" cy="1261440"/>
           </a:xfrm>
           <a:prstGeom prst="rect">
             <a:avLst/>
@@ -1717,7 +1723,8 @@
         <p:txBody>
           <a:bodyPr lIns="0" rIns="0" tIns="0" bIns="0" anchor="ctr"/>
           <a:p>
-            <a:endParaRPr b="0" lang="en-US" sz="1400" spc="-1" strike="noStrike">
+            <a:pPr algn="ctr"/>
+            <a:endParaRPr b="0" lang="en-US" sz="4400" spc="-1" strike="noStrike">
               <a:solidFill>
                 <a:srgbClr val="000000"/>
               </a:solidFill>
@@ -1766,7 +1773,7 @@
         <p:spPr>
           <a:xfrm>
             <a:off x="504000" y="301320"/>
-            <a:ext cx="9072000" cy="5850360"/>
+            <a:ext cx="9071640" cy="5848560"/>
           </a:xfrm>
           <a:prstGeom prst="rect">
             <a:avLst/>
@@ -1825,7 +1832,7 @@
         <p:spPr>
           <a:xfrm>
             <a:off x="504000" y="301320"/>
-            <a:ext cx="9072000" cy="1261800"/>
+            <a:ext cx="9071640" cy="1261440"/>
           </a:xfrm>
           <a:prstGeom prst="rect">
             <a:avLst/>
@@ -1834,7 +1841,8 @@
         <p:txBody>
           <a:bodyPr lIns="0" rIns="0" tIns="0" bIns="0" anchor="ctr"/>
           <a:p>
-            <a:endParaRPr b="0" lang="en-US" sz="1400" spc="-1" strike="noStrike">
+            <a:pPr algn="ctr"/>
+            <a:endParaRPr b="0" lang="en-US" sz="4400" spc="-1" strike="noStrike">
               <a:solidFill>
                 <a:srgbClr val="000000"/>
               </a:solidFill>
@@ -1870,7 +1878,7 @@
         <p:txBody>
           <a:bodyPr lIns="0" rIns="0" tIns="0" bIns="0"/>
           <a:p>
-            <a:endParaRPr b="0" lang="en-US" sz="1400" spc="-1" strike="noStrike">
+            <a:endParaRPr b="0" lang="en-US" sz="3200" spc="-1" strike="noStrike">
               <a:solidFill>
                 <a:srgbClr val="000000"/>
               </a:solidFill>
@@ -1906,7 +1914,7 @@
         <p:txBody>
           <a:bodyPr lIns="0" rIns="0" tIns="0" bIns="0"/>
           <a:p>
-            <a:endParaRPr b="0" lang="en-US" sz="1400" spc="-1" strike="noStrike">
+            <a:endParaRPr b="0" lang="en-US" sz="3200" spc="-1" strike="noStrike">
               <a:solidFill>
                 <a:srgbClr val="000000"/>
               </a:solidFill>
@@ -1942,7 +1950,7 @@
         <p:txBody>
           <a:bodyPr lIns="0" rIns="0" tIns="0" bIns="0"/>
           <a:p>
-            <a:endParaRPr b="0" lang="en-US" sz="1400" spc="-1" strike="noStrike">
+            <a:endParaRPr b="0" lang="en-US" sz="3200" spc="-1" strike="noStrike">
               <a:solidFill>
                 <a:srgbClr val="000000"/>
               </a:solidFill>
@@ -1991,7 +1999,7 @@
         <p:spPr>
           <a:xfrm>
             <a:off x="504000" y="301320"/>
-            <a:ext cx="9072000" cy="1261800"/>
+            <a:ext cx="9071640" cy="1261440"/>
           </a:xfrm>
           <a:prstGeom prst="rect">
             <a:avLst/>
@@ -2000,7 +2008,8 @@
         <p:txBody>
           <a:bodyPr lIns="0" rIns="0" tIns="0" bIns="0" anchor="ctr"/>
           <a:p>
-            <a:endParaRPr b="0" lang="en-US" sz="1400" spc="-1" strike="noStrike">
+            <a:pPr algn="ctr"/>
+            <a:endParaRPr b="0" lang="en-US" sz="4400" spc="-1" strike="noStrike">
               <a:solidFill>
                 <a:srgbClr val="000000"/>
               </a:solidFill>
@@ -2036,7 +2045,7 @@
         <p:txBody>
           <a:bodyPr lIns="0" rIns="0" tIns="0" bIns="0"/>
           <a:p>
-            <a:endParaRPr b="0" lang="en-US" sz="1400" spc="-1" strike="noStrike">
+            <a:endParaRPr b="0" lang="en-US" sz="3200" spc="-1" strike="noStrike">
               <a:solidFill>
                 <a:srgbClr val="000000"/>
               </a:solidFill>
@@ -2072,7 +2081,7 @@
         <p:txBody>
           <a:bodyPr lIns="0" rIns="0" tIns="0" bIns="0"/>
           <a:p>
-            <a:endParaRPr b="0" lang="en-US" sz="1400" spc="-1" strike="noStrike">
+            <a:endParaRPr b="0" lang="en-US" sz="3200" spc="-1" strike="noStrike">
               <a:solidFill>
                 <a:srgbClr val="000000"/>
               </a:solidFill>
@@ -2108,7 +2117,7 @@
         <p:txBody>
           <a:bodyPr lIns="0" rIns="0" tIns="0" bIns="0"/>
           <a:p>
-            <a:endParaRPr b="0" lang="en-US" sz="1400" spc="-1" strike="noStrike">
+            <a:endParaRPr b="0" lang="en-US" sz="3200" spc="-1" strike="noStrike">
               <a:solidFill>
                 <a:srgbClr val="000000"/>
               </a:solidFill>
@@ -2157,7 +2166,7 @@
         <p:spPr>
           <a:xfrm>
             <a:off x="504000" y="301320"/>
-            <a:ext cx="9072000" cy="1261800"/>
+            <a:ext cx="9071640" cy="1261440"/>
           </a:xfrm>
           <a:prstGeom prst="rect">
             <a:avLst/>
@@ -2166,7 +2175,8 @@
         <p:txBody>
           <a:bodyPr lIns="0" rIns="0" tIns="0" bIns="0" anchor="ctr"/>
           <a:p>
-            <a:endParaRPr b="0" lang="en-US" sz="1400" spc="-1" strike="noStrike">
+            <a:pPr algn="ctr"/>
+            <a:endParaRPr b="0" lang="en-US" sz="4400" spc="-1" strike="noStrike">
               <a:solidFill>
                 <a:srgbClr val="000000"/>
               </a:solidFill>
@@ -2202,7 +2212,7 @@
         <p:txBody>
           <a:bodyPr lIns="0" rIns="0" tIns="0" bIns="0"/>
           <a:p>
-            <a:endParaRPr b="0" lang="en-US" sz="1400" spc="-1" strike="noStrike">
+            <a:endParaRPr b="0" lang="en-US" sz="3200" spc="-1" strike="noStrike">
               <a:solidFill>
                 <a:srgbClr val="000000"/>
               </a:solidFill>
@@ -2238,7 +2248,7 @@
         <p:txBody>
           <a:bodyPr lIns="0" rIns="0" tIns="0" bIns="0"/>
           <a:p>
-            <a:endParaRPr b="0" lang="en-US" sz="1400" spc="-1" strike="noStrike">
+            <a:endParaRPr b="0" lang="en-US" sz="3200" spc="-1" strike="noStrike">
               <a:solidFill>
                 <a:srgbClr val="000000"/>
               </a:solidFill>
@@ -2274,7 +2284,7 @@
         <p:txBody>
           <a:bodyPr lIns="0" rIns="0" tIns="0" bIns="0"/>
           <a:p>
-            <a:endParaRPr b="0" lang="en-US" sz="1400" spc="-1" strike="noStrike">
+            <a:endParaRPr b="0" lang="en-US" sz="3200" spc="-1" strike="noStrike">
               <a:solidFill>
                 <a:srgbClr val="000000"/>
               </a:solidFill>
@@ -2323,7 +2333,7 @@
         <p:spPr>
           <a:xfrm>
             <a:off x="504000" y="301320"/>
-            <a:ext cx="9072000" cy="1261800"/>
+            <a:ext cx="9071640" cy="1261440"/>
           </a:xfrm>
           <a:prstGeom prst="rect">
             <a:avLst/>
@@ -2332,21 +2342,8 @@
         <p:txBody>
           <a:bodyPr lIns="0" rIns="0" tIns="0" bIns="0" anchor="ctr"/>
           <a:p>
-            <a:r>
-              <a:rPr b="0" lang="en-US" sz="1400" spc="-1" strike="noStrike">
-                <a:solidFill>
-                  <a:srgbClr val="000000"/>
-                </a:solidFill>
-                <a:uFill>
-                  <a:solidFill>
-                    <a:srgbClr val="ffffff"/>
-                  </a:solidFill>
-                </a:uFill>
-                <a:latin typeface="Arial"/>
-              </a:rPr>
-              <a:t>Click to edit the title text format</a:t>
-            </a:r>
-            <a:endParaRPr b="0" lang="en-US" sz="1400" spc="-1" strike="noStrike">
+            <a:pPr algn="ctr"/>
+            <a:endParaRPr b="0" lang="en-US" sz="4400" spc="-1" strike="noStrike">
               <a:solidFill>
                 <a:srgbClr val="000000"/>
               </a:solidFill>
@@ -2391,7 +2388,7 @@
               <a:buChar char=""/>
             </a:pPr>
             <a:r>
-              <a:rPr b="0" lang="en-US" sz="1400" spc="-1" strike="noStrike">
+              <a:rPr b="0" lang="en-US" sz="3200" spc="-1" strike="noStrike">
                 <a:solidFill>
                   <a:srgbClr val="000000"/>
                 </a:solidFill>
@@ -2404,7 +2401,7 @@
               </a:rPr>
               <a:t>Click to edit the outline text format</a:t>
             </a:r>
-            <a:endParaRPr b="0" lang="en-US" sz="1400" spc="-1" strike="noStrike">
+            <a:endParaRPr b="0" lang="en-US" sz="3200" spc="-1" strike="noStrike">
               <a:solidFill>
                 <a:srgbClr val="000000"/>
               </a:solidFill>
@@ -2426,7 +2423,7 @@
               <a:buChar char=""/>
             </a:pPr>
             <a:r>
-              <a:rPr b="0" lang="en-US" sz="1400" spc="-1" strike="noStrike">
+              <a:rPr b="0" lang="en-US" sz="2800" spc="-1" strike="noStrike">
                 <a:solidFill>
                   <a:srgbClr val="000000"/>
                 </a:solidFill>
@@ -2439,7 +2436,7 @@
               </a:rPr>
               <a:t>Second Outline Level</a:t>
             </a:r>
-            <a:endParaRPr b="0" lang="en-US" sz="1400" spc="-1" strike="noStrike">
+            <a:endParaRPr b="0" lang="en-US" sz="2800" spc="-1" strike="noStrike">
               <a:solidFill>
                 <a:srgbClr val="000000"/>
               </a:solidFill>
@@ -2461,7 +2458,7 @@
               <a:buChar char=""/>
             </a:pPr>
             <a:r>
-              <a:rPr b="0" lang="en-US" sz="1400" spc="-1" strike="noStrike">
+              <a:rPr b="0" lang="en-US" sz="2400" spc="-1" strike="noStrike">
                 <a:solidFill>
                   <a:srgbClr val="000000"/>
                 </a:solidFill>
@@ -2474,7 +2471,7 @@
               </a:rPr>
               <a:t>Third Outline Level</a:t>
             </a:r>
-            <a:endParaRPr b="0" lang="en-US" sz="1400" spc="-1" strike="noStrike">
+            <a:endParaRPr b="0" lang="en-US" sz="2400" spc="-1" strike="noStrike">
               <a:solidFill>
                 <a:srgbClr val="000000"/>
               </a:solidFill>
@@ -2496,7 +2493,7 @@
               <a:buChar char=""/>
             </a:pPr>
             <a:r>
-              <a:rPr b="0" lang="en-US" sz="1400" spc="-1" strike="noStrike">
+              <a:rPr b="0" lang="en-US" sz="2000" spc="-1" strike="noStrike">
                 <a:solidFill>
                   <a:srgbClr val="000000"/>
                 </a:solidFill>
@@ -2509,7 +2506,7 @@
               </a:rPr>
               <a:t>Fourth Outline Level</a:t>
             </a:r>
-            <a:endParaRPr b="0" lang="en-US" sz="1400" spc="-1" strike="noStrike">
+            <a:endParaRPr b="0" lang="en-US" sz="2000" spc="-1" strike="noStrike">
               <a:solidFill>
                 <a:srgbClr val="000000"/>
               </a:solidFill>
@@ -2681,7 +2678,7 @@
         <p:spPr>
           <a:xfrm>
             <a:off x="456480" y="1188720"/>
-            <a:ext cx="9066960" cy="6215400"/>
+            <a:ext cx="9066600" cy="6215040"/>
           </a:xfrm>
           <a:prstGeom prst="rect">
             <a:avLst/>
@@ -2766,7 +2763,7 @@
             </a:endParaRPr>
           </a:p>
           <a:p>
-            <a:pPr marL="215640" indent="-206280">
+            <a:pPr marL="215640" indent="-205920">
               <a:lnSpc>
                 <a:spcPct val="98000"/>
               </a:lnSpc>
@@ -2799,7 +2796,7 @@
             </a:endParaRPr>
           </a:p>
           <a:p>
-            <a:pPr marL="215640" indent="-206280">
+            <a:pPr marL="215640" indent="-205920">
               <a:lnSpc>
                 <a:spcPct val="98000"/>
               </a:lnSpc>
@@ -2832,7 +2829,7 @@
             </a:endParaRPr>
           </a:p>
           <a:p>
-            <a:pPr marL="215640" indent="-206280">
+            <a:pPr marL="215640" indent="-205920">
               <a:lnSpc>
                 <a:spcPct val="98000"/>
               </a:lnSpc>
@@ -2875,7 +2872,7 @@
         <p:spPr>
           <a:xfrm>
             <a:off x="437760" y="194400"/>
-            <a:ext cx="9066960" cy="6752880"/>
+            <a:ext cx="9066600" cy="6752520"/>
           </a:xfrm>
           <a:custGeom>
             <a:avLst/>
@@ -3406,6 +3403,33 @@
       </p:sp>
     </p:spTree>
   </p:cSld>
+  <p:timing>
+    <p:tnLst>
+      <p:par>
+        <p:cTn id="1" dur="indefinite" restart="never" nodeType="tmRoot">
+          <p:childTnLst>
+            <p:seq>
+              <p:cTn id="2" nodeType="mainSeq"/>
+              <p:prevCondLst>
+                <p:cond delay="0" evt="onPrev">
+                  <p:tgtEl>
+                    <p:sldTgt/>
+                  </p:tgtEl>
+                </p:cond>
+              </p:prevCondLst>
+              <p:nextCondLst>
+                <p:cond delay="0" evt="onNext">
+                  <p:tgtEl>
+                    <p:sldTgt/>
+                  </p:tgtEl>
+                </p:cond>
+              </p:nextCondLst>
+            </p:seq>
+          </p:childTnLst>
+        </p:cTn>
+      </p:par>
+    </p:tnLst>
+  </p:timing>
 </p:sld>
 </file>
 
@@ -3442,7 +3466,7 @@
         <p:spPr>
           <a:xfrm>
             <a:off x="456480" y="1188720"/>
-            <a:ext cx="9066960" cy="6215400"/>
+            <a:ext cx="9066600" cy="6215040"/>
           </a:xfrm>
           <a:prstGeom prst="rect">
             <a:avLst/>
@@ -3527,7 +3551,7 @@
             </a:endParaRPr>
           </a:p>
           <a:p>
-            <a:pPr marL="215640" indent="-206280">
+            <a:pPr marL="215640" indent="-205920">
               <a:lnSpc>
                 <a:spcPct val="98000"/>
               </a:lnSpc>
@@ -3560,7 +3584,7 @@
             </a:endParaRPr>
           </a:p>
           <a:p>
-            <a:pPr marL="215640" indent="-206280">
+            <a:pPr marL="215640" indent="-205920">
               <a:lnSpc>
                 <a:spcPct val="98000"/>
               </a:lnSpc>
@@ -3593,7 +3617,7 @@
             </a:endParaRPr>
           </a:p>
           <a:p>
-            <a:pPr marL="215640" indent="-206280">
+            <a:pPr marL="215640" indent="-205920">
               <a:lnSpc>
                 <a:spcPct val="98000"/>
               </a:lnSpc>
@@ -3636,7 +3660,7 @@
         <p:spPr>
           <a:xfrm>
             <a:off x="437760" y="194400"/>
-            <a:ext cx="9066960" cy="6752880"/>
+            <a:ext cx="9066600" cy="6752520"/>
           </a:xfrm>
           <a:custGeom>
             <a:avLst/>
@@ -4164,6 +4188,33 @@
       </p:sp>
     </p:spTree>
   </p:cSld>
+  <p:timing>
+    <p:tnLst>
+      <p:par>
+        <p:cTn id="3" dur="indefinite" restart="never" nodeType="tmRoot">
+          <p:childTnLst>
+            <p:seq>
+              <p:cTn id="4" nodeType="mainSeq"/>
+              <p:prevCondLst>
+                <p:cond delay="0" evt="onPrev">
+                  <p:tgtEl>
+                    <p:sldTgt/>
+                  </p:tgtEl>
+                </p:cond>
+              </p:prevCondLst>
+              <p:nextCondLst>
+                <p:cond delay="0" evt="onNext">
+                  <p:tgtEl>
+                    <p:sldTgt/>
+                  </p:tgtEl>
+                </p:cond>
+              </p:nextCondLst>
+            </p:seq>
+          </p:childTnLst>
+        </p:cTn>
+      </p:par>
+    </p:tnLst>
+  </p:timing>
 </p:sld>
 </file>
 
@@ -4200,7 +4251,7 @@
         <p:spPr>
           <a:xfrm>
             <a:off x="456480" y="1188720"/>
-            <a:ext cx="9066960" cy="6215400"/>
+            <a:ext cx="9066600" cy="6215040"/>
           </a:xfrm>
           <a:prstGeom prst="rect">
             <a:avLst/>
@@ -4285,7 +4336,7 @@
             </a:endParaRPr>
           </a:p>
           <a:p>
-            <a:pPr marL="215640" indent="-206280">
+            <a:pPr marL="215640" indent="-205920">
               <a:lnSpc>
                 <a:spcPct val="98000"/>
               </a:lnSpc>
@@ -4318,7 +4369,7 @@
             </a:endParaRPr>
           </a:p>
           <a:p>
-            <a:pPr marL="215640" indent="-206280">
+            <a:pPr marL="215640" indent="-205920">
               <a:lnSpc>
                 <a:spcPct val="98000"/>
               </a:lnSpc>
@@ -4351,7 +4402,7 @@
             </a:endParaRPr>
           </a:p>
           <a:p>
-            <a:pPr marL="215640" indent="-206280">
+            <a:pPr marL="215640" indent="-205920">
               <a:lnSpc>
                 <a:spcPct val="98000"/>
               </a:lnSpc>
@@ -4394,7 +4445,7 @@
         <p:spPr>
           <a:xfrm>
             <a:off x="437760" y="194400"/>
-            <a:ext cx="9066960" cy="6752880"/>
+            <a:ext cx="9066600" cy="6752520"/>
           </a:xfrm>
           <a:custGeom>
             <a:avLst/>
@@ -4679,6 +4730,33 @@
       </p:sp>
     </p:spTree>
   </p:cSld>
+  <p:timing>
+    <p:tnLst>
+      <p:par>
+        <p:cTn id="5" dur="indefinite" restart="never" nodeType="tmRoot">
+          <p:childTnLst>
+            <p:seq>
+              <p:cTn id="6" nodeType="mainSeq"/>
+              <p:prevCondLst>
+                <p:cond delay="0" evt="onPrev">
+                  <p:tgtEl>
+                    <p:sldTgt/>
+                  </p:tgtEl>
+                </p:cond>
+              </p:prevCondLst>
+              <p:nextCondLst>
+                <p:cond delay="0" evt="onNext">
+                  <p:tgtEl>
+                    <p:sldTgt/>
+                  </p:tgtEl>
+                </p:cond>
+              </p:nextCondLst>
+            </p:seq>
+          </p:childTnLst>
+        </p:cTn>
+      </p:par>
+    </p:tnLst>
+  </p:timing>
 </p:sld>
 </file>
 
@@ -4715,7 +4793,7 @@
         <p:spPr>
           <a:xfrm>
             <a:off x="456480" y="1188720"/>
-            <a:ext cx="9066960" cy="6215400"/>
+            <a:ext cx="9066600" cy="6215040"/>
           </a:xfrm>
           <a:prstGeom prst="rect">
             <a:avLst/>
@@ -4800,7 +4878,7 @@
             </a:endParaRPr>
           </a:p>
           <a:p>
-            <a:pPr marL="215640" indent="-206280">
+            <a:pPr marL="215640" indent="-205920">
               <a:lnSpc>
                 <a:spcPct val="98000"/>
               </a:lnSpc>
@@ -4833,7 +4911,7 @@
             </a:endParaRPr>
           </a:p>
           <a:p>
-            <a:pPr marL="215640" indent="-206280">
+            <a:pPr marL="215640" indent="-205920">
               <a:lnSpc>
                 <a:spcPct val="98000"/>
               </a:lnSpc>
@@ -4866,7 +4944,7 @@
             </a:endParaRPr>
           </a:p>
           <a:p>
-            <a:pPr marL="215640" indent="-206280">
+            <a:pPr marL="215640" indent="-205920">
               <a:lnSpc>
                 <a:spcPct val="98000"/>
               </a:lnSpc>
@@ -4909,7 +4987,7 @@
         <p:spPr>
           <a:xfrm>
             <a:off x="437760" y="194400"/>
-            <a:ext cx="9066960" cy="6752880"/>
+            <a:ext cx="9066600" cy="6752520"/>
           </a:xfrm>
           <a:custGeom>
             <a:avLst/>
@@ -5911,6 +5989,33 @@
       </p:sp>
     </p:spTree>
   </p:cSld>
+  <p:timing>
+    <p:tnLst>
+      <p:par>
+        <p:cTn id="7" dur="indefinite" restart="never" nodeType="tmRoot">
+          <p:childTnLst>
+            <p:seq>
+              <p:cTn id="8" nodeType="mainSeq"/>
+              <p:prevCondLst>
+                <p:cond delay="0" evt="onPrev">
+                  <p:tgtEl>
+                    <p:sldTgt/>
+                  </p:tgtEl>
+                </p:cond>
+              </p:prevCondLst>
+              <p:nextCondLst>
+                <p:cond delay="0" evt="onNext">
+                  <p:tgtEl>
+                    <p:sldTgt/>
+                  </p:tgtEl>
+                </p:cond>
+              </p:nextCondLst>
+            </p:seq>
+          </p:childTnLst>
+        </p:cTn>
+      </p:par>
+    </p:tnLst>
+  </p:timing>
 </p:sld>
 </file>
 
@@ -5947,7 +6052,7 @@
         <p:spPr>
           <a:xfrm>
             <a:off x="456480" y="1188720"/>
-            <a:ext cx="9066960" cy="6215400"/>
+            <a:ext cx="9066600" cy="6215040"/>
           </a:xfrm>
           <a:prstGeom prst="rect">
             <a:avLst/>
@@ -6032,7 +6137,7 @@
             </a:endParaRPr>
           </a:p>
           <a:p>
-            <a:pPr marL="215640" indent="-206280">
+            <a:pPr marL="215640" indent="-205920">
               <a:lnSpc>
                 <a:spcPct val="98000"/>
               </a:lnSpc>
@@ -6065,7 +6170,7 @@
             </a:endParaRPr>
           </a:p>
           <a:p>
-            <a:pPr marL="215640" indent="-206280">
+            <a:pPr marL="215640" indent="-205920">
               <a:lnSpc>
                 <a:spcPct val="98000"/>
               </a:lnSpc>
@@ -6098,7 +6203,7 @@
             </a:endParaRPr>
           </a:p>
           <a:p>
-            <a:pPr marL="215640" indent="-206280">
+            <a:pPr marL="215640" indent="-205920">
               <a:lnSpc>
                 <a:spcPct val="98000"/>
               </a:lnSpc>
@@ -6141,7 +6246,7 @@
         <p:spPr>
           <a:xfrm>
             <a:off x="437760" y="194400"/>
-            <a:ext cx="9066960" cy="6752880"/>
+            <a:ext cx="9066600" cy="6752520"/>
           </a:xfrm>
           <a:custGeom>
             <a:avLst/>
@@ -6188,729 +6293,6 @@
                 <a:spcPct val="93000"/>
               </a:lnSpc>
             </a:pPr>
-            <a:r>
-              <a:rPr b="0" lang="en-US" sz="2000" spc="-1" strike="noStrike">
-                <a:solidFill>
-                  <a:srgbClr val="000000"/>
-                </a:solidFill>
-                <a:uFill>
-                  <a:solidFill>
-                    <a:srgbClr val="ffffff"/>
-                  </a:solidFill>
-                </a:uFill>
-                <a:latin typeface="Georgia"/>
-                <a:ea typeface="Georgia"/>
-              </a:rPr>
-              <a:t>Finite and Non-finite verb</a:t>
-            </a:r>
-            <a:endParaRPr b="0" lang="en-US" sz="1800" spc="-1" strike="noStrike">
-              <a:solidFill>
-                <a:srgbClr val="000000"/>
-              </a:solidFill>
-              <a:uFill>
-                <a:solidFill>
-                  <a:srgbClr val="ffffff"/>
-                </a:solidFill>
-              </a:uFill>
-              <a:latin typeface="Arial"/>
-            </a:endParaRPr>
-          </a:p>
-          <a:p>
-            <a:pPr>
-              <a:lnSpc>
-                <a:spcPct val="93000"/>
-              </a:lnSpc>
-            </a:pPr>
-            <a:endParaRPr b="0" lang="en-US" sz="1800" spc="-1" strike="noStrike">
-              <a:solidFill>
-                <a:srgbClr val="000000"/>
-              </a:solidFill>
-              <a:uFill>
-                <a:solidFill>
-                  <a:srgbClr val="ffffff"/>
-                </a:solidFill>
-              </a:uFill>
-              <a:latin typeface="Arial"/>
-            </a:endParaRPr>
-          </a:p>
-          <a:p>
-            <a:pPr>
-              <a:lnSpc>
-                <a:spcPct val="93000"/>
-              </a:lnSpc>
-            </a:pPr>
-            <a:r>
-              <a:rPr b="0" lang="en-US" sz="2000" spc="-1" strike="noStrike">
-                <a:solidFill>
-                  <a:srgbClr val="000000"/>
-                </a:solidFill>
-                <a:uFill>
-                  <a:solidFill>
-                    <a:srgbClr val="ffffff"/>
-                  </a:solidFill>
-                </a:uFill>
-                <a:latin typeface="Georgia"/>
-                <a:ea typeface="Georgia"/>
-              </a:rPr>
-              <a:t>Walking along the road, I went to market.</a:t>
-            </a:r>
-            <a:endParaRPr b="0" lang="en-US" sz="1800" spc="-1" strike="noStrike">
-              <a:solidFill>
-                <a:srgbClr val="000000"/>
-              </a:solidFill>
-              <a:uFill>
-                <a:solidFill>
-                  <a:srgbClr val="ffffff"/>
-                </a:solidFill>
-              </a:uFill>
-              <a:latin typeface="Arial"/>
-            </a:endParaRPr>
-          </a:p>
-          <a:p>
-            <a:pPr>
-              <a:lnSpc>
-                <a:spcPct val="93000"/>
-              </a:lnSpc>
-            </a:pPr>
-            <a:endParaRPr b="0" lang="en-US" sz="1800" spc="-1" strike="noStrike">
-              <a:solidFill>
-                <a:srgbClr val="000000"/>
-              </a:solidFill>
-              <a:uFill>
-                <a:solidFill>
-                  <a:srgbClr val="ffffff"/>
-                </a:solidFill>
-              </a:uFill>
-              <a:latin typeface="Arial"/>
-            </a:endParaRPr>
-          </a:p>
-          <a:p>
-            <a:pPr>
-              <a:lnSpc>
-                <a:spcPct val="93000"/>
-              </a:lnSpc>
-            </a:pPr>
-            <a:r>
-              <a:rPr b="0" lang="en-US" sz="2000" spc="-1" strike="noStrike">
-                <a:solidFill>
-                  <a:srgbClr val="000000"/>
-                </a:solidFill>
-                <a:uFill>
-                  <a:solidFill>
-                    <a:srgbClr val="ffffff"/>
-                  </a:solidFill>
-                </a:uFill>
-                <a:latin typeface="Georgia"/>
-                <a:ea typeface="Georgia"/>
-              </a:rPr>
-              <a:t>Verb after subject</a:t>
-            </a:r>
-            <a:endParaRPr b="0" lang="en-US" sz="1800" spc="-1" strike="noStrike">
-              <a:solidFill>
-                <a:srgbClr val="000000"/>
-              </a:solidFill>
-              <a:uFill>
-                <a:solidFill>
-                  <a:srgbClr val="ffffff"/>
-                </a:solidFill>
-              </a:uFill>
-              <a:latin typeface="Arial"/>
-            </a:endParaRPr>
-          </a:p>
-          <a:p>
-            <a:pPr>
-              <a:lnSpc>
-                <a:spcPct val="93000"/>
-              </a:lnSpc>
-            </a:pPr>
-            <a:endParaRPr b="0" lang="en-US" sz="1800" spc="-1" strike="noStrike">
-              <a:solidFill>
-                <a:srgbClr val="000000"/>
-              </a:solidFill>
-              <a:uFill>
-                <a:solidFill>
-                  <a:srgbClr val="ffffff"/>
-                </a:solidFill>
-              </a:uFill>
-              <a:latin typeface="Arial"/>
-            </a:endParaRPr>
-          </a:p>
-          <a:p>
-            <a:pPr>
-              <a:lnSpc>
-                <a:spcPct val="93000"/>
-              </a:lnSpc>
-            </a:pPr>
-            <a:r>
-              <a:rPr b="0" lang="en-US" sz="2000" spc="-1" strike="noStrike">
-                <a:solidFill>
-                  <a:srgbClr val="000000"/>
-                </a:solidFill>
-                <a:uFill>
-                  <a:solidFill>
-                    <a:srgbClr val="ffffff"/>
-                  </a:solidFill>
-                </a:uFill>
-                <a:latin typeface="Georgia"/>
-                <a:ea typeface="Georgia"/>
-              </a:rPr>
-              <a:t>Having done, </a:t>
-            </a:r>
-            <a:endParaRPr b="0" lang="en-US" sz="1800" spc="-1" strike="noStrike">
-              <a:solidFill>
-                <a:srgbClr val="000000"/>
-              </a:solidFill>
-              <a:uFill>
-                <a:solidFill>
-                  <a:srgbClr val="ffffff"/>
-                </a:solidFill>
-              </a:uFill>
-              <a:latin typeface="Arial"/>
-            </a:endParaRPr>
-          </a:p>
-          <a:p>
-            <a:pPr>
-              <a:lnSpc>
-                <a:spcPct val="93000"/>
-              </a:lnSpc>
-            </a:pPr>
-            <a:endParaRPr b="0" lang="en-US" sz="1800" spc="-1" strike="noStrike">
-              <a:solidFill>
-                <a:srgbClr val="000000"/>
-              </a:solidFill>
-              <a:uFill>
-                <a:solidFill>
-                  <a:srgbClr val="ffffff"/>
-                </a:solidFill>
-              </a:uFill>
-              <a:latin typeface="Arial"/>
-            </a:endParaRPr>
-          </a:p>
-          <a:p>
-            <a:pPr>
-              <a:lnSpc>
-                <a:spcPct val="93000"/>
-              </a:lnSpc>
-            </a:pPr>
-            <a:r>
-              <a:rPr b="0" lang="en-US" sz="2000" spc="-1" strike="noStrike">
-                <a:solidFill>
-                  <a:srgbClr val="000000"/>
-                </a:solidFill>
-                <a:uFill>
-                  <a:solidFill>
-                    <a:srgbClr val="ffffff"/>
-                  </a:solidFill>
-                </a:uFill>
-                <a:latin typeface="Georgia"/>
-                <a:ea typeface="Georgia"/>
-              </a:rPr>
-              <a:t>Child snake, can not bite.</a:t>
-            </a:r>
-            <a:endParaRPr b="0" lang="en-US" sz="1800" spc="-1" strike="noStrike">
-              <a:solidFill>
-                <a:srgbClr val="000000"/>
-              </a:solidFill>
-              <a:uFill>
-                <a:solidFill>
-                  <a:srgbClr val="ffffff"/>
-                </a:solidFill>
-              </a:uFill>
-              <a:latin typeface="Arial"/>
-            </a:endParaRPr>
-          </a:p>
-          <a:p>
-            <a:pPr>
-              <a:lnSpc>
-                <a:spcPct val="93000"/>
-              </a:lnSpc>
-            </a:pPr>
-            <a:endParaRPr b="0" lang="en-US" sz="1800" spc="-1" strike="noStrike">
-              <a:solidFill>
-                <a:srgbClr val="000000"/>
-              </a:solidFill>
-              <a:uFill>
-                <a:solidFill>
-                  <a:srgbClr val="ffffff"/>
-                </a:solidFill>
-              </a:uFill>
-              <a:latin typeface="Arial"/>
-            </a:endParaRPr>
-          </a:p>
-          <a:p>
-            <a:pPr>
-              <a:lnSpc>
-                <a:spcPct val="93000"/>
-              </a:lnSpc>
-            </a:pPr>
-            <a:endParaRPr b="0" lang="en-US" sz="1800" spc="-1" strike="noStrike">
-              <a:solidFill>
-                <a:srgbClr val="000000"/>
-              </a:solidFill>
-              <a:uFill>
-                <a:solidFill>
-                  <a:srgbClr val="ffffff"/>
-                </a:solidFill>
-              </a:uFill>
-              <a:latin typeface="Arial"/>
-            </a:endParaRPr>
-          </a:p>
-          <a:p>
-            <a:pPr>
-              <a:lnSpc>
-                <a:spcPct val="93000"/>
-              </a:lnSpc>
-            </a:pPr>
-            <a:r>
-              <a:rPr b="0" lang="en-US" sz="2000" spc="-1" strike="noStrike">
-                <a:solidFill>
-                  <a:srgbClr val="000000"/>
-                </a:solidFill>
-                <a:uFill>
-                  <a:solidFill>
-                    <a:srgbClr val="ffffff"/>
-                  </a:solidFill>
-                </a:uFill>
-                <a:latin typeface="Georgia"/>
-                <a:ea typeface="Georgia"/>
-              </a:rPr>
-              <a:t>Relevant to subject</a:t>
-            </a:r>
-            <a:endParaRPr b="0" lang="en-US" sz="1800" spc="-1" strike="noStrike">
-              <a:solidFill>
-                <a:srgbClr val="000000"/>
-              </a:solidFill>
-              <a:uFill>
-                <a:solidFill>
-                  <a:srgbClr val="ffffff"/>
-                </a:solidFill>
-              </a:uFill>
-              <a:latin typeface="Arial"/>
-            </a:endParaRPr>
-          </a:p>
-          <a:p>
-            <a:pPr>
-              <a:lnSpc>
-                <a:spcPct val="93000"/>
-              </a:lnSpc>
-            </a:pPr>
-            <a:r>
-              <a:rPr b="0" lang="en-US" sz="2000" spc="-1" strike="noStrike">
-                <a:solidFill>
-                  <a:srgbClr val="000000"/>
-                </a:solidFill>
-                <a:uFill>
-                  <a:solidFill>
-                    <a:srgbClr val="ffffff"/>
-                  </a:solidFill>
-                </a:uFill>
-                <a:latin typeface="Georgia"/>
-                <a:ea typeface="Georgia"/>
-              </a:rPr>
-              <a:t>Change according to Tense</a:t>
-            </a:r>
-            <a:endParaRPr b="0" lang="en-US" sz="1800" spc="-1" strike="noStrike">
-              <a:solidFill>
-                <a:srgbClr val="000000"/>
-              </a:solidFill>
-              <a:uFill>
-                <a:solidFill>
-                  <a:srgbClr val="ffffff"/>
-                </a:solidFill>
-              </a:uFill>
-              <a:latin typeface="Arial"/>
-            </a:endParaRPr>
-          </a:p>
-          <a:p>
-            <a:pPr>
-              <a:lnSpc>
-                <a:spcPct val="93000"/>
-              </a:lnSpc>
-            </a:pPr>
-            <a:r>
-              <a:rPr b="0" lang="en-US" sz="2000" spc="-1" strike="noStrike">
-                <a:solidFill>
-                  <a:srgbClr val="000000"/>
-                </a:solidFill>
-                <a:uFill>
-                  <a:solidFill>
-                    <a:srgbClr val="ffffff"/>
-                  </a:solidFill>
-                </a:uFill>
-                <a:latin typeface="Georgia"/>
-                <a:ea typeface="Georgia"/>
-              </a:rPr>
-              <a:t>Must have a subject</a:t>
-            </a:r>
-            <a:endParaRPr b="0" lang="en-US" sz="1800" spc="-1" strike="noStrike">
-              <a:solidFill>
-                <a:srgbClr val="000000"/>
-              </a:solidFill>
-              <a:uFill>
-                <a:solidFill>
-                  <a:srgbClr val="ffffff"/>
-                </a:solidFill>
-              </a:uFill>
-              <a:latin typeface="Arial"/>
-            </a:endParaRPr>
-          </a:p>
-          <a:p>
-            <a:pPr>
-              <a:lnSpc>
-                <a:spcPct val="93000"/>
-              </a:lnSpc>
-            </a:pPr>
-            <a:endParaRPr b="0" lang="en-US" sz="1800" spc="-1" strike="noStrike">
-              <a:solidFill>
-                <a:srgbClr val="000000"/>
-              </a:solidFill>
-              <a:uFill>
-                <a:solidFill>
-                  <a:srgbClr val="ffffff"/>
-                </a:solidFill>
-              </a:uFill>
-              <a:latin typeface="Arial"/>
-            </a:endParaRPr>
-          </a:p>
-          <a:p>
-            <a:pPr>
-              <a:lnSpc>
-                <a:spcPct val="93000"/>
-              </a:lnSpc>
-            </a:pPr>
-            <a:r>
-              <a:rPr b="0" lang="en-US" sz="2000" spc="-1" strike="noStrike">
-                <a:solidFill>
-                  <a:srgbClr val="000000"/>
-                </a:solidFill>
-                <a:uFill>
-                  <a:solidFill>
-                    <a:srgbClr val="ffffff"/>
-                  </a:solidFill>
-                </a:uFill>
-                <a:latin typeface="Georgia"/>
-                <a:ea typeface="Georgia"/>
-              </a:rPr>
-              <a:t>I want to be a cricketer.</a:t>
-            </a:r>
-            <a:endParaRPr b="0" lang="en-US" sz="1800" spc="-1" strike="noStrike">
-              <a:solidFill>
-                <a:srgbClr val="000000"/>
-              </a:solidFill>
-              <a:uFill>
-                <a:solidFill>
-                  <a:srgbClr val="ffffff"/>
-                </a:solidFill>
-              </a:uFill>
-              <a:latin typeface="Arial"/>
-            </a:endParaRPr>
-          </a:p>
-          <a:p>
-            <a:pPr>
-              <a:lnSpc>
-                <a:spcPct val="93000"/>
-              </a:lnSpc>
-            </a:pPr>
-            <a:r>
-              <a:rPr b="0" lang="en-US" sz="2000" spc="-1" strike="noStrike">
-                <a:solidFill>
-                  <a:srgbClr val="000000"/>
-                </a:solidFill>
-                <a:uFill>
-                  <a:solidFill>
-                    <a:srgbClr val="ffffff"/>
-                  </a:solidFill>
-                </a:uFill>
-                <a:latin typeface="Georgia"/>
-                <a:ea typeface="Georgia"/>
-              </a:rPr>
-              <a:t>To maintain a balanced diet is important for health.</a:t>
-            </a:r>
-            <a:endParaRPr b="0" lang="en-US" sz="1800" spc="-1" strike="noStrike">
-              <a:solidFill>
-                <a:srgbClr val="000000"/>
-              </a:solidFill>
-              <a:uFill>
-                <a:solidFill>
-                  <a:srgbClr val="ffffff"/>
-                </a:solidFill>
-              </a:uFill>
-              <a:latin typeface="Arial"/>
-            </a:endParaRPr>
-          </a:p>
-          <a:p>
-            <a:pPr>
-              <a:lnSpc>
-                <a:spcPct val="93000"/>
-              </a:lnSpc>
-            </a:pPr>
-            <a:r>
-              <a:rPr b="0" lang="en-US" sz="2000" spc="-1" strike="noStrike">
-                <a:solidFill>
-                  <a:srgbClr val="000000"/>
-                </a:solidFill>
-                <a:uFill>
-                  <a:solidFill>
-                    <a:srgbClr val="ffffff"/>
-                  </a:solidFill>
-                </a:uFill>
-                <a:latin typeface="Georgia"/>
-                <a:ea typeface="Georgia"/>
-              </a:rPr>
-              <a:t>His purpose is to be famous.</a:t>
-            </a:r>
-            <a:endParaRPr b="0" lang="en-US" sz="1800" spc="-1" strike="noStrike">
-              <a:solidFill>
-                <a:srgbClr val="000000"/>
-              </a:solidFill>
-              <a:uFill>
-                <a:solidFill>
-                  <a:srgbClr val="ffffff"/>
-                </a:solidFill>
-              </a:uFill>
-              <a:latin typeface="Arial"/>
-            </a:endParaRPr>
-          </a:p>
-          <a:p>
-            <a:pPr>
-              <a:lnSpc>
-                <a:spcPct val="93000"/>
-              </a:lnSpc>
-            </a:pPr>
-            <a:r>
-              <a:rPr b="0" lang="en-US" sz="2000" spc="-1" strike="noStrike">
-                <a:solidFill>
-                  <a:srgbClr val="000000"/>
-                </a:solidFill>
-                <a:uFill>
-                  <a:solidFill>
-                    <a:srgbClr val="ffffff"/>
-                  </a:solidFill>
-                </a:uFill>
-                <a:latin typeface="Georgia"/>
-                <a:ea typeface="Georgia"/>
-              </a:rPr>
-              <a:t>We eat to live.</a:t>
-            </a:r>
-            <a:endParaRPr b="0" lang="en-US" sz="1800" spc="-1" strike="noStrike">
-              <a:solidFill>
-                <a:srgbClr val="000000"/>
-              </a:solidFill>
-              <a:uFill>
-                <a:solidFill>
-                  <a:srgbClr val="ffffff"/>
-                </a:solidFill>
-              </a:uFill>
-              <a:latin typeface="Arial"/>
-            </a:endParaRPr>
-          </a:p>
-          <a:p>
-            <a:pPr>
-              <a:lnSpc>
-                <a:spcPct val="93000"/>
-              </a:lnSpc>
-            </a:pPr>
-            <a:r>
-              <a:rPr b="0" lang="en-US" sz="2000" spc="-1" strike="noStrike">
-                <a:solidFill>
-                  <a:srgbClr val="000000"/>
-                </a:solidFill>
-                <a:uFill>
-                  <a:solidFill>
-                    <a:srgbClr val="ffffff"/>
-                  </a:solidFill>
-                </a:uFill>
-                <a:latin typeface="Georgia"/>
-                <a:ea typeface="Georgia"/>
-              </a:rPr>
-              <a:t>I found my daughter playing.</a:t>
-            </a:r>
-            <a:endParaRPr b="0" lang="en-US" sz="1800" spc="-1" strike="noStrike">
-              <a:solidFill>
-                <a:srgbClr val="000000"/>
-              </a:solidFill>
-              <a:uFill>
-                <a:solidFill>
-                  <a:srgbClr val="ffffff"/>
-                </a:solidFill>
-              </a:uFill>
-              <a:latin typeface="Arial"/>
-            </a:endParaRPr>
-          </a:p>
-          <a:p>
-            <a:pPr>
-              <a:lnSpc>
-                <a:spcPct val="93000"/>
-              </a:lnSpc>
-            </a:pPr>
-            <a:r>
-              <a:rPr b="0" lang="en-US" sz="2000" spc="-1" strike="noStrike">
-                <a:solidFill>
-                  <a:srgbClr val="000000"/>
-                </a:solidFill>
-                <a:uFill>
-                  <a:solidFill>
-                    <a:srgbClr val="ffffff"/>
-                  </a:solidFill>
-                </a:uFill>
-                <a:latin typeface="Georgia"/>
-                <a:ea typeface="Georgia"/>
-              </a:rPr>
-              <a:t>The company sent me a sample to use and review.</a:t>
-            </a:r>
-            <a:endParaRPr b="0" lang="en-US" sz="1800" spc="-1" strike="noStrike">
-              <a:solidFill>
-                <a:srgbClr val="000000"/>
-              </a:solidFill>
-              <a:uFill>
-                <a:solidFill>
-                  <a:srgbClr val="ffffff"/>
-                </a:solidFill>
-              </a:uFill>
-              <a:latin typeface="Arial"/>
-            </a:endParaRPr>
-          </a:p>
-          <a:p>
-            <a:pPr>
-              <a:lnSpc>
-                <a:spcPct val="93000"/>
-              </a:lnSpc>
-            </a:pPr>
-            <a:r>
-              <a:rPr b="0" lang="en-US" sz="2000" spc="-1" strike="noStrike">
-                <a:solidFill>
-                  <a:srgbClr val="000000"/>
-                </a:solidFill>
-                <a:uFill>
-                  <a:solidFill>
-                    <a:srgbClr val="ffffff"/>
-                  </a:solidFill>
-                </a:uFill>
-                <a:latin typeface="Georgia"/>
-                <a:ea typeface="Georgia"/>
-              </a:rPr>
-              <a:t>Smoking is bad for health.</a:t>
-            </a:r>
-            <a:endParaRPr b="0" lang="en-US" sz="1800" spc="-1" strike="noStrike">
-              <a:solidFill>
-                <a:srgbClr val="000000"/>
-              </a:solidFill>
-              <a:uFill>
-                <a:solidFill>
-                  <a:srgbClr val="ffffff"/>
-                </a:solidFill>
-              </a:uFill>
-              <a:latin typeface="Arial"/>
-            </a:endParaRPr>
-          </a:p>
-          <a:p>
-            <a:pPr>
-              <a:lnSpc>
-                <a:spcPct val="93000"/>
-              </a:lnSpc>
-            </a:pPr>
-            <a:r>
-              <a:rPr b="0" lang="en-US" sz="2000" spc="-1" strike="noStrike">
-                <a:solidFill>
-                  <a:srgbClr val="000000"/>
-                </a:solidFill>
-                <a:uFill>
-                  <a:solidFill>
-                    <a:srgbClr val="ffffff"/>
-                  </a:solidFill>
-                </a:uFill>
-                <a:latin typeface="Georgia"/>
-                <a:ea typeface="Georgia"/>
-              </a:rPr>
-              <a:t>He stopped playing football.</a:t>
-            </a:r>
-            <a:endParaRPr b="0" lang="en-US" sz="1800" spc="-1" strike="noStrike">
-              <a:solidFill>
-                <a:srgbClr val="000000"/>
-              </a:solidFill>
-              <a:uFill>
-                <a:solidFill>
-                  <a:srgbClr val="ffffff"/>
-                </a:solidFill>
-              </a:uFill>
-              <a:latin typeface="Arial"/>
-            </a:endParaRPr>
-          </a:p>
-          <a:p>
-            <a:pPr>
-              <a:lnSpc>
-                <a:spcPct val="93000"/>
-              </a:lnSpc>
-            </a:pPr>
-            <a:r>
-              <a:rPr b="0" lang="en-US" sz="2000" spc="-1" strike="noStrike">
-                <a:solidFill>
-                  <a:srgbClr val="000000"/>
-                </a:solidFill>
-                <a:uFill>
-                  <a:solidFill>
-                    <a:srgbClr val="ffffff"/>
-                  </a:solidFill>
-                </a:uFill>
-                <a:latin typeface="Georgia"/>
-                <a:ea typeface="Georgia"/>
-              </a:rPr>
-              <a:t>Receiving gifts makes me happy.</a:t>
-            </a:r>
-            <a:endParaRPr b="0" lang="en-US" sz="1800" spc="-1" strike="noStrike">
-              <a:solidFill>
-                <a:srgbClr val="000000"/>
-              </a:solidFill>
-              <a:uFill>
-                <a:solidFill>
-                  <a:srgbClr val="ffffff"/>
-                </a:solidFill>
-              </a:uFill>
-              <a:latin typeface="Arial"/>
-            </a:endParaRPr>
-          </a:p>
-          <a:p>
-            <a:pPr>
-              <a:lnSpc>
-                <a:spcPct val="93000"/>
-              </a:lnSpc>
-            </a:pPr>
-            <a:endParaRPr b="0" lang="en-US" sz="1800" spc="-1" strike="noStrike">
-              <a:solidFill>
-                <a:srgbClr val="000000"/>
-              </a:solidFill>
-              <a:uFill>
-                <a:solidFill>
-                  <a:srgbClr val="ffffff"/>
-                </a:solidFill>
-              </a:uFill>
-              <a:latin typeface="Arial"/>
-            </a:endParaRPr>
-          </a:p>
-          <a:p>
-            <a:pPr>
-              <a:lnSpc>
-                <a:spcPct val="93000"/>
-              </a:lnSpc>
-            </a:pPr>
-            <a:endParaRPr b="0" lang="en-US" sz="1800" spc="-1" strike="noStrike">
-              <a:solidFill>
-                <a:srgbClr val="000000"/>
-              </a:solidFill>
-              <a:uFill>
-                <a:solidFill>
-                  <a:srgbClr val="ffffff"/>
-                </a:solidFill>
-              </a:uFill>
-              <a:latin typeface="Arial"/>
-            </a:endParaRPr>
-          </a:p>
-          <a:p>
-            <a:pPr>
-              <a:lnSpc>
-                <a:spcPct val="93000"/>
-              </a:lnSpc>
-            </a:pPr>
             <a:endParaRPr b="0" lang="en-US" sz="1800" spc="-1" strike="noStrike">
               <a:solidFill>
                 <a:srgbClr val="000000"/>
@@ -7092,6 +6474,33 @@
       </p:sp>
     </p:spTree>
   </p:cSld>
+  <p:timing>
+    <p:tnLst>
+      <p:par>
+        <p:cTn id="9" dur="indefinite" restart="never" nodeType="tmRoot">
+          <p:childTnLst>
+            <p:seq>
+              <p:cTn id="10" nodeType="mainSeq"/>
+              <p:prevCondLst>
+                <p:cond delay="0" evt="onPrev">
+                  <p:tgtEl>
+                    <p:sldTgt/>
+                  </p:tgtEl>
+                </p:cond>
+              </p:prevCondLst>
+              <p:nextCondLst>
+                <p:cond delay="0" evt="onNext">
+                  <p:tgtEl>
+                    <p:sldTgt/>
+                  </p:tgtEl>
+                </p:cond>
+              </p:nextCondLst>
+            </p:seq>
+          </p:childTnLst>
+        </p:cTn>
+      </p:par>
+    </p:tnLst>
+  </p:timing>
 </p:sld>
 </file>
 
